--- a/기획/기획개발스언어UI.pptx
+++ b/기획/기획개발스언어UI.pptx
@@ -1087,7 +1087,7 @@
         <a:p>
           <a:pPr latinLnBrk="1"/>
           <a:r>
-            <a:rPr lang="ko-KR" altLang="en-US" dirty="0" err="1"/>
+            <a:rPr lang="ko-KR" altLang="en-US"/>
             <a:t>요일별</a:t>
           </a:r>
           <a:endParaRPr lang="en-US" altLang="ko-KR" dirty="0"/>
@@ -2831,7 +2831,7 @@
             <a:buNone/>
           </a:pPr>
           <a:r>
-            <a:rPr lang="ko-KR" altLang="en-US" sz="1900" kern="1200" dirty="0" err="1"/>
+            <a:rPr lang="ko-KR" altLang="en-US" sz="1900" kern="1200"/>
             <a:t>요일별</a:t>
           </a:r>
           <a:endParaRPr lang="en-US" altLang="ko-KR" sz="1900" kern="1200" dirty="0"/>
@@ -9056,7 +9056,7 @@
             <p:ph idx="1"/>
             <p:extLst>
               <p:ext uri="{D42A27DB-BD31-4B8C-83A1-F6EECF244321}">
-                <p14:modId xmlns:p14="http://schemas.microsoft.com/office/powerpoint/2010/main" val="3870518254"/>
+                <p14:modId xmlns:p14="http://schemas.microsoft.com/office/powerpoint/2010/main" val="3531571346"/>
               </p:ext>
             </p:extLst>
           </p:nvPr>
@@ -9353,7 +9353,18 @@
                     <a:lstStyle/>
                     <a:p>
                       <a:pPr latinLnBrk="1"/>
-                      <a:endParaRPr lang="ko-KR" altLang="en-US" sz="1000" dirty="0"/>
+                      <a:r>
+                        <a:rPr lang="ko-KR" altLang="en-US" sz="1000" dirty="0"/>
+                        <a:t>오픈 </a:t>
+                      </a:r>
+                      <a:r>
+                        <a:rPr lang="en-US" altLang="ko-KR" sz="1000" dirty="0"/>
+                        <a:t>API</a:t>
+                      </a:r>
+                      <a:r>
+                        <a:rPr lang="ko-KR" altLang="en-US" sz="1000" dirty="0"/>
+                        <a:t> 데이터에 적합한 이미지 리소스 수집</a:t>
+                      </a:r>
                     </a:p>
                   </a:txBody>
                   <a:tcPr/>
@@ -9364,7 +9375,11 @@
                     <a:lstStyle/>
                     <a:p>
                       <a:pPr latinLnBrk="1"/>
-                      <a:endParaRPr lang="ko-KR" altLang="en-US" sz="1000"/>
+                      <a:r>
+                        <a:rPr lang="en-US" altLang="ko-KR" sz="1500" dirty="0"/>
+                        <a:t>100%</a:t>
+                      </a:r>
+                      <a:endParaRPr lang="ko-KR" altLang="en-US" sz="1500" dirty="0"/>
                     </a:p>
                   </a:txBody>
                   <a:tcPr/>
@@ -9431,7 +9446,26 @@
                     <a:lstStyle/>
                     <a:p>
                       <a:pPr latinLnBrk="1"/>
-                      <a:endParaRPr lang="ko-KR" altLang="en-US" sz="1000" dirty="0"/>
+                      <a:r>
+                        <a:rPr lang="ko-KR" altLang="en-US" sz="1000" dirty="0"/>
+                        <a:t>기능</a:t>
+                      </a:r>
+                      <a:r>
+                        <a:rPr lang="en-US" altLang="ko-KR" sz="1000" dirty="0"/>
+                        <a:t>1 : </a:t>
+                      </a:r>
+                      <a:r>
+                        <a:rPr lang="ko-KR" altLang="en-US" sz="1000" dirty="0"/>
+                        <a:t>개발 </a:t>
+                      </a:r>
+                      <a:r>
+                        <a:rPr lang="en-US" altLang="ko-KR" sz="1000" dirty="0"/>
+                        <a:t>UI </a:t>
+                      </a:r>
+                      <a:r>
+                        <a:rPr lang="ko-KR" altLang="en-US" sz="1000" dirty="0"/>
+                        <a:t>틀 제작 및 프레임워크 구성</a:t>
+                      </a:r>
                     </a:p>
                   </a:txBody>
                   <a:tcPr/>
@@ -9442,7 +9476,7 @@
                     <a:lstStyle/>
                     <a:p>
                       <a:pPr latinLnBrk="1"/>
-                      <a:endParaRPr lang="ko-KR" altLang="en-US" sz="1000" dirty="0"/>
+                      <a:endParaRPr lang="ko-KR" altLang="en-US" sz="1500" dirty="0"/>
                     </a:p>
                   </a:txBody>
                   <a:tcPr/>
@@ -9538,7 +9572,14 @@
                     <a:lstStyle/>
                     <a:p>
                       <a:pPr latinLnBrk="1"/>
-                      <a:endParaRPr lang="ko-KR" altLang="en-US" sz="1000" dirty="0"/>
+                      <a:r>
+                        <a:rPr lang="en-US" altLang="ko-KR" sz="1000" dirty="0"/>
+                        <a:t>API </a:t>
+                      </a:r>
+                      <a:r>
+                        <a:rPr lang="ko-KR" altLang="en-US" sz="1000" dirty="0"/>
+                        <a:t>데이터 파싱 및 데이터를 근거로 한 시각화 진행</a:t>
+                      </a:r>
                     </a:p>
                   </a:txBody>
                   <a:tcPr/>
@@ -9549,7 +9590,7 @@
                     <a:lstStyle/>
                     <a:p>
                       <a:pPr latinLnBrk="1"/>
-                      <a:endParaRPr lang="ko-KR" altLang="en-US" sz="1000" dirty="0"/>
+                      <a:endParaRPr lang="ko-KR" altLang="en-US" sz="1500" dirty="0"/>
                     </a:p>
                   </a:txBody>
                   <a:tcPr/>
@@ -9608,7 +9649,22 @@
                     <a:lstStyle/>
                     <a:p>
                       <a:pPr latinLnBrk="1"/>
-                      <a:endParaRPr lang="ko-KR" altLang="en-US" sz="1000" dirty="0"/>
+                      <a:r>
+                        <a:rPr lang="ko-KR" altLang="en-US" sz="1000" dirty="0" err="1"/>
+                        <a:t>텔레그램봇</a:t>
+                      </a:r>
+                      <a:r>
+                        <a:rPr lang="ko-KR" altLang="en-US" sz="1000" dirty="0"/>
+                        <a:t> </a:t>
+                      </a:r>
+                      <a:r>
+                        <a:rPr lang="en-US" altLang="ko-KR" sz="1000" dirty="0"/>
+                        <a:t>UI</a:t>
+                      </a:r>
+                      <a:r>
+                        <a:rPr lang="ko-KR" altLang="en-US" sz="1000" dirty="0"/>
+                        <a:t>제작 및 순서도 제작</a:t>
+                      </a:r>
                     </a:p>
                   </a:txBody>
                   <a:tcPr/>
@@ -9619,7 +9675,7 @@
                     <a:lstStyle/>
                     <a:p>
                       <a:pPr latinLnBrk="1"/>
-                      <a:endParaRPr lang="ko-KR" altLang="en-US" sz="1000" dirty="0"/>
+                      <a:endParaRPr lang="ko-KR" altLang="en-US" sz="1500" dirty="0"/>
                     </a:p>
                   </a:txBody>
                   <a:tcPr/>
@@ -9678,7 +9734,10 @@
                     <a:lstStyle/>
                     <a:p>
                       <a:pPr latinLnBrk="1"/>
-                      <a:endParaRPr lang="ko-KR" altLang="en-US" sz="1000" dirty="0"/>
+                      <a:r>
+                        <a:rPr lang="ko-KR" altLang="en-US" sz="1000" dirty="0"/>
+                        <a:t>채팅 구현 및 테스트</a:t>
+                      </a:r>
                     </a:p>
                   </a:txBody>
                   <a:tcPr/>
@@ -9689,7 +9748,7 @@
                     <a:lstStyle/>
                     <a:p>
                       <a:pPr latinLnBrk="1"/>
-                      <a:endParaRPr lang="ko-KR" altLang="en-US" sz="1000" dirty="0"/>
+                      <a:endParaRPr lang="ko-KR" altLang="en-US" sz="1500" dirty="0"/>
                     </a:p>
                   </a:txBody>
                   <a:tcPr/>
@@ -9761,7 +9820,26 @@
                     <a:lstStyle/>
                     <a:p>
                       <a:pPr latinLnBrk="1"/>
-                      <a:endParaRPr lang="ko-KR" altLang="en-US" sz="1000" dirty="0"/>
+                      <a:r>
+                        <a:rPr lang="ko-KR" altLang="en-US" sz="1000" dirty="0"/>
+                        <a:t>검색</a:t>
+                      </a:r>
+                      <a:r>
+                        <a:rPr lang="en-US" altLang="ko-KR" sz="1000" dirty="0"/>
+                        <a:t>, </a:t>
+                      </a:r>
+                      <a:r>
+                        <a:rPr lang="ko-KR" altLang="en-US" sz="1000" dirty="0"/>
+                        <a:t>정렬기능에 필요한 </a:t>
+                      </a:r>
+                      <a:r>
+                        <a:rPr lang="en-US" altLang="ko-KR" sz="1000" dirty="0"/>
+                        <a:t>C++</a:t>
+                      </a:r>
+                      <a:r>
+                        <a:rPr lang="ko-KR" altLang="en-US" sz="1000" dirty="0"/>
+                        <a:t> 자료구조 연동</a:t>
+                      </a:r>
                     </a:p>
                   </a:txBody>
                   <a:tcPr/>
@@ -9772,7 +9850,7 @@
                     <a:lstStyle/>
                     <a:p>
                       <a:pPr latinLnBrk="1"/>
-                      <a:endParaRPr lang="ko-KR" altLang="en-US" sz="1000" dirty="0"/>
+                      <a:endParaRPr lang="ko-KR" altLang="en-US" sz="1500" dirty="0"/>
                     </a:p>
                   </a:txBody>
                   <a:tcPr/>
@@ -9827,7 +9905,26 @@
                     <a:lstStyle/>
                     <a:p>
                       <a:pPr latinLnBrk="1"/>
-                      <a:endParaRPr lang="ko-KR" altLang="en-US" sz="1000" dirty="0"/>
+                      <a:r>
+                        <a:rPr lang="ko-KR" altLang="en-US" sz="1000" dirty="0"/>
+                        <a:t>미흡한 </a:t>
+                      </a:r>
+                      <a:r>
+                        <a:rPr lang="en-US" altLang="ko-KR" sz="1000" dirty="0"/>
+                        <a:t>UI </a:t>
+                      </a:r>
+                      <a:r>
+                        <a:rPr lang="ko-KR" altLang="en-US" sz="1000" dirty="0"/>
+                        <a:t>수정 및 </a:t>
+                      </a:r>
+                      <a:r>
+                        <a:rPr lang="ko-KR" altLang="en-US" sz="1000" dirty="0" err="1"/>
+                        <a:t>텔레그램봇</a:t>
+                      </a:r>
+                      <a:r>
+                        <a:rPr lang="ko-KR" altLang="en-US" sz="1000" dirty="0"/>
+                        <a:t> 테스트 마무리 작업</a:t>
+                      </a:r>
                     </a:p>
                   </a:txBody>
                   <a:tcPr/>
@@ -9838,7 +9935,7 @@
                     <a:lstStyle/>
                     <a:p>
                       <a:pPr latinLnBrk="1"/>
-                      <a:endParaRPr lang="ko-KR" altLang="en-US" sz="1000" dirty="0"/>
+                      <a:endParaRPr lang="ko-KR" altLang="en-US" sz="1500" dirty="0"/>
                     </a:p>
                   </a:txBody>
                   <a:tcPr/>
@@ -12614,7 +12711,7 @@
                   <a:schemeClr val="tx1"/>
                 </a:solidFill>
               </a:rPr>
-              <a:t>서버에서 데이터 받기</a:t>
+              <a:t>서버에서 받은 데이터 관리</a:t>
             </a:r>
           </a:p>
         </p:txBody>

--- a/기획/기획개발스언어UI.pptx
+++ b/기획/기획개발스언어UI.pptx
@@ -11,8 +11,7 @@
     <p:sldId id="258" r:id="rId5"/>
     <p:sldId id="259" r:id="rId6"/>
     <p:sldId id="260" r:id="rId7"/>
-    <p:sldId id="261" r:id="rId8"/>
-    <p:sldId id="263" r:id="rId9"/>
+    <p:sldId id="263" r:id="rId8"/>
   </p:sldIdLst>
   <p:sldSz cx="12192000" cy="6858000"/>
   <p:notesSz cx="6858000" cy="9144000"/>
@@ -10482,18 +10481,7 @@
           <a:p>
             <a:r>
               <a:rPr lang="en-US" altLang="ko-KR" sz="1500" dirty="0"/>
-              <a:t>2. GPS </a:t>
-            </a:r>
-            <a:r>
-              <a:rPr lang="ko-KR" altLang="en-US" sz="1500" dirty="0"/>
-              <a:t>지역표시</a:t>
-            </a:r>
-            <a:endParaRPr lang="en-US" altLang="ko-KR" sz="1500" dirty="0"/>
-          </a:p>
-          <a:p>
-            <a:r>
-              <a:rPr lang="en-US" altLang="ko-KR" sz="1500" dirty="0"/>
-              <a:t>3. </a:t>
+              <a:t>2. </a:t>
             </a:r>
             <a:r>
               <a:rPr lang="ko-KR" altLang="en-US" sz="1500" dirty="0"/>
@@ -11873,617 +11861,6 @@
 </file>
 
 <file path=ppt/slides/slide7.xml><?xml version="1.0" encoding="utf-8"?>
-<p:sld xmlns:a="http://schemas.openxmlformats.org/drawingml/2006/main" xmlns:r="http://schemas.openxmlformats.org/officeDocument/2006/relationships" xmlns:p="http://schemas.openxmlformats.org/presentationml/2006/main">
-  <p:cSld>
-    <p:spTree>
-      <p:nvGrpSpPr>
-        <p:cNvPr id="1" name=""/>
-        <p:cNvGrpSpPr/>
-        <p:nvPr/>
-      </p:nvGrpSpPr>
-      <p:grpSpPr>
-        <a:xfrm>
-          <a:off x="0" y="0"/>
-          <a:ext cx="0" cy="0"/>
-          <a:chOff x="0" y="0"/>
-          <a:chExt cx="0" cy="0"/>
-        </a:xfrm>
-      </p:grpSpPr>
-      <p:sp>
-        <p:nvSpPr>
-          <p:cNvPr id="2" name="제목 1">
-            <a:extLst>
-              <a:ext uri="{FF2B5EF4-FFF2-40B4-BE49-F238E27FC236}">
-                <a16:creationId xmlns:a16="http://schemas.microsoft.com/office/drawing/2014/main" id="{11BD85A1-F524-4FA0-884C-C819C072FE0A}"/>
-              </a:ext>
-            </a:extLst>
-          </p:cNvPr>
-          <p:cNvSpPr>
-            <a:spLocks noGrp="1"/>
-          </p:cNvSpPr>
-          <p:nvPr>
-            <p:ph type="title"/>
-          </p:nvPr>
-        </p:nvSpPr>
-        <p:spPr/>
-        <p:txBody>
-          <a:bodyPr/>
-          <a:lstStyle/>
-          <a:p>
-            <a:r>
-              <a:rPr lang="en-US" altLang="ko-KR" dirty="0"/>
-              <a:t>Scene4</a:t>
-            </a:r>
-            <a:endParaRPr lang="ko-KR" altLang="en-US" dirty="0"/>
-          </a:p>
-        </p:txBody>
-      </p:sp>
-      <p:sp>
-        <p:nvSpPr>
-          <p:cNvPr id="4" name="내용 개체 틀 3">
-            <a:extLst>
-              <a:ext uri="{FF2B5EF4-FFF2-40B4-BE49-F238E27FC236}">
-                <a16:creationId xmlns:a16="http://schemas.microsoft.com/office/drawing/2014/main" id="{4F75E2C2-0A31-434A-B68E-5E7631CDC4FC}"/>
-              </a:ext>
-            </a:extLst>
-          </p:cNvPr>
-          <p:cNvSpPr>
-            <a:spLocks noGrp="1"/>
-          </p:cNvSpPr>
-          <p:nvPr>
-            <p:ph sz="half" idx="2"/>
-          </p:nvPr>
-        </p:nvSpPr>
-        <p:spPr>
-          <a:xfrm>
-            <a:off x="3991338" y="1898275"/>
-            <a:ext cx="4663440" cy="4320000"/>
-          </a:xfrm>
-        </p:spPr>
-        <p:txBody>
-          <a:bodyPr>
-            <a:normAutofit/>
-          </a:bodyPr>
-          <a:lstStyle/>
-          <a:p>
-            <a:r>
-              <a:rPr lang="en-US" altLang="ko-KR" sz="1500" dirty="0"/>
-              <a:t>1. </a:t>
-            </a:r>
-            <a:r>
-              <a:rPr lang="ko-KR" altLang="en-US" sz="1500" dirty="0"/>
-              <a:t>상세정보</a:t>
-            </a:r>
-            <a:endParaRPr lang="en-US" altLang="ko-KR" sz="1500" dirty="0"/>
-          </a:p>
-          <a:p>
-            <a:r>
-              <a:rPr lang="ko-KR" altLang="en-US" sz="1500" dirty="0"/>
-              <a:t>일출 </a:t>
-            </a:r>
-            <a:r>
-              <a:rPr lang="en-US" altLang="ko-KR" sz="1500" dirty="0"/>
-              <a:t>/ </a:t>
-            </a:r>
-            <a:r>
-              <a:rPr lang="ko-KR" altLang="en-US" sz="1500" dirty="0"/>
-              <a:t>일몰 </a:t>
-            </a:r>
-            <a:r>
-              <a:rPr lang="en-US" altLang="ko-KR" sz="1500" dirty="0"/>
-              <a:t>/ </a:t>
-            </a:r>
-            <a:r>
-              <a:rPr lang="ko-KR" altLang="en-US" sz="1500" dirty="0"/>
-              <a:t>자외선 지수 </a:t>
-            </a:r>
-            <a:r>
-              <a:rPr lang="en-US" altLang="ko-KR" sz="1500" dirty="0"/>
-              <a:t>/ </a:t>
-            </a:r>
-            <a:r>
-              <a:rPr lang="ko-KR" altLang="en-US" sz="1500" dirty="0"/>
-              <a:t>습도 </a:t>
-            </a:r>
-            <a:r>
-              <a:rPr lang="en-US" altLang="ko-KR" sz="1500" dirty="0"/>
-              <a:t>/ </a:t>
-            </a:r>
-            <a:r>
-              <a:rPr lang="ko-KR" altLang="en-US" sz="1500" dirty="0"/>
-              <a:t>바람</a:t>
-            </a:r>
-            <a:endParaRPr lang="en-US" altLang="ko-KR" sz="1500" dirty="0"/>
-          </a:p>
-          <a:p>
-            <a:r>
-              <a:rPr lang="en-US" altLang="ko-KR" sz="1500" dirty="0"/>
-              <a:t>2. </a:t>
-            </a:r>
-            <a:r>
-              <a:rPr lang="ko-KR" altLang="en-US" sz="1500" dirty="0"/>
-              <a:t>일출 </a:t>
-            </a:r>
-            <a:r>
-              <a:rPr lang="en-US" altLang="ko-KR" sz="1500" dirty="0"/>
-              <a:t>/ </a:t>
-            </a:r>
-            <a:r>
-              <a:rPr lang="ko-KR" altLang="en-US" sz="1500" dirty="0"/>
-              <a:t>일몰 시간</a:t>
-            </a:r>
-            <a:endParaRPr lang="en-US" altLang="ko-KR" sz="1500" dirty="0"/>
-          </a:p>
-          <a:p>
-            <a:r>
-              <a:rPr lang="ko-KR" altLang="en-US" sz="1500" dirty="0"/>
-              <a:t>사진 </a:t>
-            </a:r>
-            <a:r>
-              <a:rPr lang="en-US" altLang="ko-KR" sz="1500" dirty="0"/>
-              <a:t>+ </a:t>
-            </a:r>
-            <a:r>
-              <a:rPr lang="ko-KR" altLang="en-US" sz="1500" dirty="0"/>
-              <a:t>일출 </a:t>
-            </a:r>
-            <a:r>
-              <a:rPr lang="en-US" altLang="ko-KR" sz="1500" dirty="0"/>
-              <a:t>or </a:t>
-            </a:r>
-            <a:r>
-              <a:rPr lang="ko-KR" altLang="en-US" sz="1500" dirty="0"/>
-              <a:t>일몰 </a:t>
-            </a:r>
-            <a:r>
-              <a:rPr lang="en-US" altLang="ko-KR" sz="1500" dirty="0"/>
-              <a:t>+ </a:t>
-            </a:r>
-            <a:r>
-              <a:rPr lang="ko-KR" altLang="en-US" sz="1500" dirty="0"/>
-              <a:t>시간</a:t>
-            </a:r>
-            <a:endParaRPr lang="en-US" altLang="ko-KR" sz="1500" dirty="0"/>
-          </a:p>
-          <a:p>
-            <a:r>
-              <a:rPr lang="en-US" altLang="ko-KR" sz="1500" dirty="0"/>
-              <a:t>3. </a:t>
-            </a:r>
-            <a:r>
-              <a:rPr lang="ko-KR" altLang="en-US" sz="1500" dirty="0"/>
-              <a:t>자외선지수 </a:t>
-            </a:r>
-            <a:r>
-              <a:rPr lang="en-US" altLang="ko-KR" sz="1500" dirty="0"/>
-              <a:t>(</a:t>
-            </a:r>
-            <a:r>
-              <a:rPr lang="ko-KR" altLang="en-US" sz="1500" dirty="0"/>
-              <a:t>높음 중간 낮음</a:t>
-            </a:r>
-            <a:r>
-              <a:rPr lang="en-US" altLang="ko-KR" sz="1500" dirty="0"/>
-              <a:t>)</a:t>
-            </a:r>
-          </a:p>
-          <a:p>
-            <a:r>
-              <a:rPr lang="ko-KR" altLang="en-US" sz="1500" dirty="0"/>
-              <a:t>단계별로 나눔 </a:t>
-            </a:r>
-            <a:r>
-              <a:rPr lang="en-US" altLang="ko-KR" sz="1500" dirty="0"/>
-              <a:t>1~10</a:t>
-            </a:r>
-            <a:r>
-              <a:rPr lang="ko-KR" altLang="en-US" sz="1500" dirty="0"/>
-              <a:t>단계</a:t>
-            </a:r>
-            <a:endParaRPr lang="en-US" altLang="ko-KR" sz="1500" dirty="0"/>
-          </a:p>
-          <a:p>
-            <a:r>
-              <a:rPr lang="en-US" altLang="ko-KR" sz="1500" dirty="0"/>
-              <a:t>4. </a:t>
-            </a:r>
-            <a:r>
-              <a:rPr lang="ko-KR" altLang="en-US" sz="1500" dirty="0"/>
-              <a:t>습도 </a:t>
-            </a:r>
-            <a:r>
-              <a:rPr lang="ko-KR" altLang="en-US" sz="1500" dirty="0" err="1"/>
-              <a:t>퍼센트값</a:t>
-            </a:r>
-            <a:endParaRPr lang="en-US" altLang="ko-KR" sz="1500" dirty="0"/>
-          </a:p>
-          <a:p>
-            <a:r>
-              <a:rPr lang="en-US" altLang="ko-KR" sz="1500" dirty="0"/>
-              <a:t>5. </a:t>
-            </a:r>
-            <a:r>
-              <a:rPr lang="ko-KR" altLang="en-US" sz="1500" dirty="0"/>
-              <a:t>바람 </a:t>
-            </a:r>
-            <a:r>
-              <a:rPr lang="ko-KR" altLang="en-US" sz="1500" dirty="0" err="1"/>
-              <a:t>풍량</a:t>
-            </a:r>
-            <a:r>
-              <a:rPr lang="en-US" altLang="ko-KR" sz="1500" dirty="0"/>
-              <a:t>(m/s)</a:t>
-            </a:r>
-          </a:p>
-          <a:p>
-            <a:r>
-              <a:rPr lang="en-US" altLang="ko-KR" sz="1500" dirty="0"/>
-              <a:t>6. </a:t>
-            </a:r>
-            <a:r>
-              <a:rPr lang="ko-KR" altLang="en-US" sz="1500" dirty="0"/>
-              <a:t>생활 관련 팁 및 기타 정보</a:t>
-            </a:r>
-            <a:r>
-              <a:rPr lang="en-US" altLang="ko-KR" sz="1500" dirty="0"/>
-              <a:t>(</a:t>
-            </a:r>
-            <a:r>
-              <a:rPr lang="ko-KR" altLang="en-US" sz="1500" dirty="0"/>
-              <a:t>일단보류</a:t>
-            </a:r>
-            <a:r>
-              <a:rPr lang="en-US" altLang="ko-KR" sz="1500"/>
-              <a:t>)</a:t>
-            </a:r>
-            <a:endParaRPr lang="ko-KR" altLang="en-US" sz="1500" dirty="0"/>
-          </a:p>
-        </p:txBody>
-      </p:sp>
-      <p:pic>
-        <p:nvPicPr>
-          <p:cNvPr id="7" name="내용 개체 틀 4">
-            <a:extLst>
-              <a:ext uri="{FF2B5EF4-FFF2-40B4-BE49-F238E27FC236}">
-                <a16:creationId xmlns:a16="http://schemas.microsoft.com/office/drawing/2014/main" id="{0197C01F-7413-481D-AE2C-B10376B2EA21}"/>
-              </a:ext>
-            </a:extLst>
-          </p:cNvPr>
-          <p:cNvPicPr preferRelativeResize="0">
-            <a:picLocks/>
-          </p:cNvPicPr>
-          <p:nvPr/>
-        </p:nvPicPr>
-        <p:blipFill>
-          <a:blip r:embed="rId2"/>
-          <a:stretch>
-            <a:fillRect/>
-          </a:stretch>
-        </p:blipFill>
-        <p:spPr>
-          <a:xfrm>
-            <a:off x="657224" y="1898275"/>
-            <a:ext cx="2880000" cy="4320000"/>
-          </a:xfrm>
-          <a:prstGeom prst="rect">
-            <a:avLst/>
-          </a:prstGeom>
-        </p:spPr>
-      </p:pic>
-      <p:sp>
-        <p:nvSpPr>
-          <p:cNvPr id="5" name="타원 4">
-            <a:extLst>
-              <a:ext uri="{FF2B5EF4-FFF2-40B4-BE49-F238E27FC236}">
-                <a16:creationId xmlns:a16="http://schemas.microsoft.com/office/drawing/2014/main" id="{B18C7E66-6CF5-4422-9736-9A8FE4781AC0}"/>
-              </a:ext>
-            </a:extLst>
-          </p:cNvPr>
-          <p:cNvSpPr/>
-          <p:nvPr/>
-        </p:nvSpPr>
-        <p:spPr>
-          <a:xfrm>
-            <a:off x="534607" y="2594470"/>
-            <a:ext cx="245234" cy="235402"/>
-          </a:xfrm>
-          <a:prstGeom prst="ellipse">
-            <a:avLst/>
-          </a:prstGeom>
-        </p:spPr>
-        <p:style>
-          <a:lnRef idx="2">
-            <a:schemeClr val="accent1">
-              <a:shade val="50000"/>
-            </a:schemeClr>
-          </a:lnRef>
-          <a:fillRef idx="1">
-            <a:schemeClr val="accent1"/>
-          </a:fillRef>
-          <a:effectRef idx="0">
-            <a:schemeClr val="accent1"/>
-          </a:effectRef>
-          <a:fontRef idx="minor">
-            <a:schemeClr val="lt1"/>
-          </a:fontRef>
-        </p:style>
-        <p:txBody>
-          <a:bodyPr rtlCol="0" anchor="ctr"/>
-          <a:lstStyle/>
-          <a:p>
-            <a:pPr algn="ctr"/>
-            <a:r>
-              <a:rPr lang="en-US" altLang="ko-KR" dirty="0"/>
-              <a:t>1</a:t>
-            </a:r>
-            <a:endParaRPr lang="ko-KR" altLang="en-US" dirty="0"/>
-          </a:p>
-        </p:txBody>
-      </p:sp>
-      <p:sp>
-        <p:nvSpPr>
-          <p:cNvPr id="6" name="타원 5">
-            <a:extLst>
-              <a:ext uri="{FF2B5EF4-FFF2-40B4-BE49-F238E27FC236}">
-                <a16:creationId xmlns:a16="http://schemas.microsoft.com/office/drawing/2014/main" id="{3E2864EE-0BD6-4708-869E-B8D3F7CEBD94}"/>
-              </a:ext>
-            </a:extLst>
-          </p:cNvPr>
-          <p:cNvSpPr/>
-          <p:nvPr/>
-        </p:nvSpPr>
-        <p:spPr>
-          <a:xfrm>
-            <a:off x="657224" y="2955122"/>
-            <a:ext cx="245234" cy="235402"/>
-          </a:xfrm>
-          <a:prstGeom prst="ellipse">
-            <a:avLst/>
-          </a:prstGeom>
-        </p:spPr>
-        <p:style>
-          <a:lnRef idx="2">
-            <a:schemeClr val="accent1">
-              <a:shade val="50000"/>
-            </a:schemeClr>
-          </a:lnRef>
-          <a:fillRef idx="1">
-            <a:schemeClr val="accent1"/>
-          </a:fillRef>
-          <a:effectRef idx="0">
-            <a:schemeClr val="accent1"/>
-          </a:effectRef>
-          <a:fontRef idx="minor">
-            <a:schemeClr val="lt1"/>
-          </a:fontRef>
-        </p:style>
-        <p:txBody>
-          <a:bodyPr rtlCol="0" anchor="ctr"/>
-          <a:lstStyle/>
-          <a:p>
-            <a:pPr algn="ctr"/>
-            <a:r>
-              <a:rPr lang="en-US" altLang="ko-KR" dirty="0"/>
-              <a:t>2</a:t>
-            </a:r>
-            <a:endParaRPr lang="ko-KR" altLang="en-US" dirty="0"/>
-          </a:p>
-        </p:txBody>
-      </p:sp>
-      <p:sp>
-        <p:nvSpPr>
-          <p:cNvPr id="8" name="타원 7">
-            <a:extLst>
-              <a:ext uri="{FF2B5EF4-FFF2-40B4-BE49-F238E27FC236}">
-                <a16:creationId xmlns:a16="http://schemas.microsoft.com/office/drawing/2014/main" id="{9BCB8EEA-4D2E-495E-8C43-6A83CEA6EFE2}"/>
-              </a:ext>
-            </a:extLst>
-          </p:cNvPr>
-          <p:cNvSpPr/>
-          <p:nvPr/>
-        </p:nvSpPr>
-        <p:spPr>
-          <a:xfrm>
-            <a:off x="577029" y="3716881"/>
-            <a:ext cx="245234" cy="235402"/>
-          </a:xfrm>
-          <a:prstGeom prst="ellipse">
-            <a:avLst/>
-          </a:prstGeom>
-        </p:spPr>
-        <p:style>
-          <a:lnRef idx="2">
-            <a:schemeClr val="accent1">
-              <a:shade val="50000"/>
-            </a:schemeClr>
-          </a:lnRef>
-          <a:fillRef idx="1">
-            <a:schemeClr val="accent1"/>
-          </a:fillRef>
-          <a:effectRef idx="0">
-            <a:schemeClr val="accent1"/>
-          </a:effectRef>
-          <a:fontRef idx="minor">
-            <a:schemeClr val="lt1"/>
-          </a:fontRef>
-        </p:style>
-        <p:txBody>
-          <a:bodyPr rtlCol="0" anchor="ctr"/>
-          <a:lstStyle/>
-          <a:p>
-            <a:pPr algn="ctr"/>
-            <a:r>
-              <a:rPr lang="en-US" altLang="ko-KR" dirty="0"/>
-              <a:t>3</a:t>
-            </a:r>
-            <a:endParaRPr lang="ko-KR" altLang="en-US" dirty="0"/>
-          </a:p>
-        </p:txBody>
-      </p:sp>
-      <p:sp>
-        <p:nvSpPr>
-          <p:cNvPr id="9" name="타원 8">
-            <a:extLst>
-              <a:ext uri="{FF2B5EF4-FFF2-40B4-BE49-F238E27FC236}">
-                <a16:creationId xmlns:a16="http://schemas.microsoft.com/office/drawing/2014/main" id="{CE02ADD0-45E6-4108-B217-F4DF729AE887}"/>
-              </a:ext>
-            </a:extLst>
-          </p:cNvPr>
-          <p:cNvSpPr/>
-          <p:nvPr/>
-        </p:nvSpPr>
-        <p:spPr>
-          <a:xfrm>
-            <a:off x="578012" y="4037677"/>
-            <a:ext cx="245234" cy="235402"/>
-          </a:xfrm>
-          <a:prstGeom prst="ellipse">
-            <a:avLst/>
-          </a:prstGeom>
-        </p:spPr>
-        <p:style>
-          <a:lnRef idx="2">
-            <a:schemeClr val="accent1">
-              <a:shade val="50000"/>
-            </a:schemeClr>
-          </a:lnRef>
-          <a:fillRef idx="1">
-            <a:schemeClr val="accent1"/>
-          </a:fillRef>
-          <a:effectRef idx="0">
-            <a:schemeClr val="accent1"/>
-          </a:effectRef>
-          <a:fontRef idx="minor">
-            <a:schemeClr val="lt1"/>
-          </a:fontRef>
-        </p:style>
-        <p:txBody>
-          <a:bodyPr rtlCol="0" anchor="ctr"/>
-          <a:lstStyle/>
-          <a:p>
-            <a:pPr algn="ctr"/>
-            <a:r>
-              <a:rPr lang="en-US" altLang="ko-KR" dirty="0"/>
-              <a:t>4</a:t>
-            </a:r>
-            <a:endParaRPr lang="ko-KR" altLang="en-US" dirty="0"/>
-          </a:p>
-        </p:txBody>
-      </p:sp>
-      <p:sp>
-        <p:nvSpPr>
-          <p:cNvPr id="10" name="타원 9">
-            <a:extLst>
-              <a:ext uri="{FF2B5EF4-FFF2-40B4-BE49-F238E27FC236}">
-                <a16:creationId xmlns:a16="http://schemas.microsoft.com/office/drawing/2014/main" id="{9E8F7E08-CA34-430D-99E9-CAF008C944BF}"/>
-              </a:ext>
-            </a:extLst>
-          </p:cNvPr>
-          <p:cNvSpPr/>
-          <p:nvPr/>
-        </p:nvSpPr>
-        <p:spPr>
-          <a:xfrm>
-            <a:off x="578012" y="4368021"/>
-            <a:ext cx="245234" cy="235402"/>
-          </a:xfrm>
-          <a:prstGeom prst="ellipse">
-            <a:avLst/>
-          </a:prstGeom>
-        </p:spPr>
-        <p:style>
-          <a:lnRef idx="2">
-            <a:schemeClr val="accent1">
-              <a:shade val="50000"/>
-            </a:schemeClr>
-          </a:lnRef>
-          <a:fillRef idx="1">
-            <a:schemeClr val="accent1"/>
-          </a:fillRef>
-          <a:effectRef idx="0">
-            <a:schemeClr val="accent1"/>
-          </a:effectRef>
-          <a:fontRef idx="minor">
-            <a:schemeClr val="lt1"/>
-          </a:fontRef>
-        </p:style>
-        <p:txBody>
-          <a:bodyPr rtlCol="0" anchor="ctr"/>
-          <a:lstStyle/>
-          <a:p>
-            <a:pPr algn="ctr"/>
-            <a:r>
-              <a:rPr lang="en-US" altLang="ko-KR" dirty="0"/>
-              <a:t>5</a:t>
-            </a:r>
-            <a:endParaRPr lang="ko-KR" altLang="en-US" dirty="0"/>
-          </a:p>
-        </p:txBody>
-      </p:sp>
-      <p:sp>
-        <p:nvSpPr>
-          <p:cNvPr id="11" name="타원 10">
-            <a:extLst>
-              <a:ext uri="{FF2B5EF4-FFF2-40B4-BE49-F238E27FC236}">
-                <a16:creationId xmlns:a16="http://schemas.microsoft.com/office/drawing/2014/main" id="{B90D7306-B9BC-4A14-B06D-D40B1B5B5CFB}"/>
-              </a:ext>
-            </a:extLst>
-          </p:cNvPr>
-          <p:cNvSpPr/>
-          <p:nvPr/>
-        </p:nvSpPr>
-        <p:spPr>
-          <a:xfrm>
-            <a:off x="579500" y="4894662"/>
-            <a:ext cx="245234" cy="235402"/>
-          </a:xfrm>
-          <a:prstGeom prst="ellipse">
-            <a:avLst/>
-          </a:prstGeom>
-        </p:spPr>
-        <p:style>
-          <a:lnRef idx="2">
-            <a:schemeClr val="accent1">
-              <a:shade val="50000"/>
-            </a:schemeClr>
-          </a:lnRef>
-          <a:fillRef idx="1">
-            <a:schemeClr val="accent1"/>
-          </a:fillRef>
-          <a:effectRef idx="0">
-            <a:schemeClr val="accent1"/>
-          </a:effectRef>
-          <a:fontRef idx="minor">
-            <a:schemeClr val="lt1"/>
-          </a:fontRef>
-        </p:style>
-        <p:txBody>
-          <a:bodyPr rtlCol="0" anchor="ctr"/>
-          <a:lstStyle/>
-          <a:p>
-            <a:pPr algn="ctr"/>
-            <a:r>
-              <a:rPr lang="en-US" altLang="ko-KR" dirty="0"/>
-              <a:t>6</a:t>
-            </a:r>
-            <a:endParaRPr lang="ko-KR" altLang="en-US" dirty="0"/>
-          </a:p>
-        </p:txBody>
-      </p:sp>
-    </p:spTree>
-    <p:extLst>
-      <p:ext uri="{BB962C8B-B14F-4D97-AF65-F5344CB8AC3E}">
-        <p14:creationId xmlns:p14="http://schemas.microsoft.com/office/powerpoint/2010/main" val="898458699"/>
-      </p:ext>
-    </p:extLst>
-  </p:cSld>
-  <p:clrMapOvr>
-    <a:masterClrMapping/>
-  </p:clrMapOvr>
-</p:sld>
-</file>
-
-<file path=ppt/slides/slide8.xml><?xml version="1.0" encoding="utf-8"?>
 <p:sld xmlns:a="http://schemas.openxmlformats.org/drawingml/2006/main" xmlns:r="http://schemas.openxmlformats.org/officeDocument/2006/relationships" xmlns:p="http://schemas.openxmlformats.org/presentationml/2006/main">
   <p:cSld>
     <p:spTree>
